--- a/GenAI-3.pptx
+++ b/GenAI-3.pptx
@@ -130,6 +130,11 @@
       </a:defRPr>
     </a:lvl9pPr>
   </p:defaultTextStyle>
+  <p:extLst>
+    <p:ext uri="{EFAFB233-063F-42B5-8137-9DF3F51BA10A}">
+      <p15:sldGuideLst xmlns:p15="http://schemas.microsoft.com/office/powerpoint/2012/main"/>
+    </p:ext>
+  </p:extLst>
 </p:presentation>
 </file>
 
@@ -282,7 +287,7 @@
           <a:p>
             <a:fld id="{A8DD45EA-5B88-4702-A20F-312B77BE3CF6}" type="datetimeFigureOut">
               <a:rPr lang="en-IN" smtClean="0"/>
-              <a:t>19-09-2024</a:t>
+              <a:t>20-09-2024</a:t>
             </a:fld>
             <a:endParaRPr lang="en-IN"/>
           </a:p>
@@ -482,7 +487,7 @@
           <a:p>
             <a:fld id="{A8DD45EA-5B88-4702-A20F-312B77BE3CF6}" type="datetimeFigureOut">
               <a:rPr lang="en-IN" smtClean="0"/>
-              <a:t>19-09-2024</a:t>
+              <a:t>20-09-2024</a:t>
             </a:fld>
             <a:endParaRPr lang="en-IN"/>
           </a:p>
@@ -692,7 +697,7 @@
           <a:p>
             <a:fld id="{A8DD45EA-5B88-4702-A20F-312B77BE3CF6}" type="datetimeFigureOut">
               <a:rPr lang="en-IN" smtClean="0"/>
-              <a:t>19-09-2024</a:t>
+              <a:t>20-09-2024</a:t>
             </a:fld>
             <a:endParaRPr lang="en-IN"/>
           </a:p>
@@ -892,7 +897,7 @@
           <a:p>
             <a:fld id="{A8DD45EA-5B88-4702-A20F-312B77BE3CF6}" type="datetimeFigureOut">
               <a:rPr lang="en-IN" smtClean="0"/>
-              <a:t>19-09-2024</a:t>
+              <a:t>20-09-2024</a:t>
             </a:fld>
             <a:endParaRPr lang="en-IN"/>
           </a:p>
@@ -1168,7 +1173,7 @@
           <a:p>
             <a:fld id="{A8DD45EA-5B88-4702-A20F-312B77BE3CF6}" type="datetimeFigureOut">
               <a:rPr lang="en-IN" smtClean="0"/>
-              <a:t>19-09-2024</a:t>
+              <a:t>20-09-2024</a:t>
             </a:fld>
             <a:endParaRPr lang="en-IN"/>
           </a:p>
@@ -1436,7 +1441,7 @@
           <a:p>
             <a:fld id="{A8DD45EA-5B88-4702-A20F-312B77BE3CF6}" type="datetimeFigureOut">
               <a:rPr lang="en-IN" smtClean="0"/>
-              <a:t>19-09-2024</a:t>
+              <a:t>20-09-2024</a:t>
             </a:fld>
             <a:endParaRPr lang="en-IN"/>
           </a:p>
@@ -1851,7 +1856,7 @@
           <a:p>
             <a:fld id="{A8DD45EA-5B88-4702-A20F-312B77BE3CF6}" type="datetimeFigureOut">
               <a:rPr lang="en-IN" smtClean="0"/>
-              <a:t>19-09-2024</a:t>
+              <a:t>20-09-2024</a:t>
             </a:fld>
             <a:endParaRPr lang="en-IN"/>
           </a:p>
@@ -1993,7 +1998,7 @@
           <a:p>
             <a:fld id="{A8DD45EA-5B88-4702-A20F-312B77BE3CF6}" type="datetimeFigureOut">
               <a:rPr lang="en-IN" smtClean="0"/>
-              <a:t>19-09-2024</a:t>
+              <a:t>20-09-2024</a:t>
             </a:fld>
             <a:endParaRPr lang="en-IN"/>
           </a:p>
@@ -2106,7 +2111,7 @@
           <a:p>
             <a:fld id="{A8DD45EA-5B88-4702-A20F-312B77BE3CF6}" type="datetimeFigureOut">
               <a:rPr lang="en-IN" smtClean="0"/>
-              <a:t>19-09-2024</a:t>
+              <a:t>20-09-2024</a:t>
             </a:fld>
             <a:endParaRPr lang="en-IN"/>
           </a:p>
@@ -2419,7 +2424,7 @@
           <a:p>
             <a:fld id="{A8DD45EA-5B88-4702-A20F-312B77BE3CF6}" type="datetimeFigureOut">
               <a:rPr lang="en-IN" smtClean="0"/>
-              <a:t>19-09-2024</a:t>
+              <a:t>20-09-2024</a:t>
             </a:fld>
             <a:endParaRPr lang="en-IN"/>
           </a:p>
@@ -2708,7 +2713,7 @@
           <a:p>
             <a:fld id="{A8DD45EA-5B88-4702-A20F-312B77BE3CF6}" type="datetimeFigureOut">
               <a:rPr lang="en-IN" smtClean="0"/>
-              <a:t>19-09-2024</a:t>
+              <a:t>20-09-2024</a:t>
             </a:fld>
             <a:endParaRPr lang="en-IN"/>
           </a:p>
@@ -2951,7 +2956,7 @@
           <a:p>
             <a:fld id="{A8DD45EA-5B88-4702-A20F-312B77BE3CF6}" type="datetimeFigureOut">
               <a:rPr lang="en-IN" smtClean="0"/>
-              <a:t>19-09-2024</a:t>
+              <a:t>20-09-2024</a:t>
             </a:fld>
             <a:endParaRPr lang="en-IN"/>
           </a:p>

--- a/GenAI-3.pptx
+++ b/GenAI-3.pptx
@@ -287,7 +287,7 @@
           <a:p>
             <a:fld id="{A8DD45EA-5B88-4702-A20F-312B77BE3CF6}" type="datetimeFigureOut">
               <a:rPr lang="en-IN" smtClean="0"/>
-              <a:t>20-09-2024</a:t>
+              <a:t>21-09-2024</a:t>
             </a:fld>
             <a:endParaRPr lang="en-IN"/>
           </a:p>
@@ -487,7 +487,7 @@
           <a:p>
             <a:fld id="{A8DD45EA-5B88-4702-A20F-312B77BE3CF6}" type="datetimeFigureOut">
               <a:rPr lang="en-IN" smtClean="0"/>
-              <a:t>20-09-2024</a:t>
+              <a:t>21-09-2024</a:t>
             </a:fld>
             <a:endParaRPr lang="en-IN"/>
           </a:p>
@@ -697,7 +697,7 @@
           <a:p>
             <a:fld id="{A8DD45EA-5B88-4702-A20F-312B77BE3CF6}" type="datetimeFigureOut">
               <a:rPr lang="en-IN" smtClean="0"/>
-              <a:t>20-09-2024</a:t>
+              <a:t>21-09-2024</a:t>
             </a:fld>
             <a:endParaRPr lang="en-IN"/>
           </a:p>
@@ -897,7 +897,7 @@
           <a:p>
             <a:fld id="{A8DD45EA-5B88-4702-A20F-312B77BE3CF6}" type="datetimeFigureOut">
               <a:rPr lang="en-IN" smtClean="0"/>
-              <a:t>20-09-2024</a:t>
+              <a:t>21-09-2024</a:t>
             </a:fld>
             <a:endParaRPr lang="en-IN"/>
           </a:p>
@@ -1173,7 +1173,7 @@
           <a:p>
             <a:fld id="{A8DD45EA-5B88-4702-A20F-312B77BE3CF6}" type="datetimeFigureOut">
               <a:rPr lang="en-IN" smtClean="0"/>
-              <a:t>20-09-2024</a:t>
+              <a:t>21-09-2024</a:t>
             </a:fld>
             <a:endParaRPr lang="en-IN"/>
           </a:p>
@@ -1441,7 +1441,7 @@
           <a:p>
             <a:fld id="{A8DD45EA-5B88-4702-A20F-312B77BE3CF6}" type="datetimeFigureOut">
               <a:rPr lang="en-IN" smtClean="0"/>
-              <a:t>20-09-2024</a:t>
+              <a:t>21-09-2024</a:t>
             </a:fld>
             <a:endParaRPr lang="en-IN"/>
           </a:p>
@@ -1856,7 +1856,7 @@
           <a:p>
             <a:fld id="{A8DD45EA-5B88-4702-A20F-312B77BE3CF6}" type="datetimeFigureOut">
               <a:rPr lang="en-IN" smtClean="0"/>
-              <a:t>20-09-2024</a:t>
+              <a:t>21-09-2024</a:t>
             </a:fld>
             <a:endParaRPr lang="en-IN"/>
           </a:p>
@@ -1998,7 +1998,7 @@
           <a:p>
             <a:fld id="{A8DD45EA-5B88-4702-A20F-312B77BE3CF6}" type="datetimeFigureOut">
               <a:rPr lang="en-IN" smtClean="0"/>
-              <a:t>20-09-2024</a:t>
+              <a:t>21-09-2024</a:t>
             </a:fld>
             <a:endParaRPr lang="en-IN"/>
           </a:p>
@@ -2111,7 +2111,7 @@
           <a:p>
             <a:fld id="{A8DD45EA-5B88-4702-A20F-312B77BE3CF6}" type="datetimeFigureOut">
               <a:rPr lang="en-IN" smtClean="0"/>
-              <a:t>20-09-2024</a:t>
+              <a:t>21-09-2024</a:t>
             </a:fld>
             <a:endParaRPr lang="en-IN"/>
           </a:p>
@@ -2424,7 +2424,7 @@
           <a:p>
             <a:fld id="{A8DD45EA-5B88-4702-A20F-312B77BE3CF6}" type="datetimeFigureOut">
               <a:rPr lang="en-IN" smtClean="0"/>
-              <a:t>20-09-2024</a:t>
+              <a:t>21-09-2024</a:t>
             </a:fld>
             <a:endParaRPr lang="en-IN"/>
           </a:p>
@@ -2713,7 +2713,7 @@
           <a:p>
             <a:fld id="{A8DD45EA-5B88-4702-A20F-312B77BE3CF6}" type="datetimeFigureOut">
               <a:rPr lang="en-IN" smtClean="0"/>
-              <a:t>20-09-2024</a:t>
+              <a:t>21-09-2024</a:t>
             </a:fld>
             <a:endParaRPr lang="en-IN"/>
           </a:p>
@@ -2956,7 +2956,7 @@
           <a:p>
             <a:fld id="{A8DD45EA-5B88-4702-A20F-312B77BE3CF6}" type="datetimeFigureOut">
               <a:rPr lang="en-IN" smtClean="0"/>
-              <a:t>20-09-2024</a:t>
+              <a:t>21-09-2024</a:t>
             </a:fld>
             <a:endParaRPr lang="en-IN"/>
           </a:p>
@@ -9240,6 +9240,22 @@
               <a:buFontTx/>
               <a:buChar char="•"/>
             </a:pPr>
+            <a:endParaRPr lang="en-US" altLang="en-US" sz="2400" dirty="0"/>
+          </a:p>
+          <a:p>
+            <a:pPr marL="0" lvl="0" indent="0" eaLnBrk="0" fontAlgn="base" hangingPunct="0">
+              <a:lnSpc>
+                <a:spcPct val="100000"/>
+              </a:lnSpc>
+              <a:spcBef>
+                <a:spcPct val="0"/>
+              </a:spcBef>
+              <a:spcAft>
+                <a:spcPct val="0"/>
+              </a:spcAft>
+              <a:buFontTx/>
+              <a:buChar char="•"/>
+            </a:pPr>
             <a:r>
               <a:rPr lang="en-US" altLang="en-US" sz="2400" b="1" dirty="0"/>
               <a:t>Recommendation Systems</a:t>
@@ -9263,6 +9279,22 @@
               <a:buFontTx/>
               <a:buChar char="•"/>
             </a:pPr>
+            <a:endParaRPr lang="en-US" altLang="en-US" sz="2400" dirty="0"/>
+          </a:p>
+          <a:p>
+            <a:pPr marL="0" lvl="0" indent="0" eaLnBrk="0" fontAlgn="base" hangingPunct="0">
+              <a:lnSpc>
+                <a:spcPct val="100000"/>
+              </a:lnSpc>
+              <a:spcBef>
+                <a:spcPct val="0"/>
+              </a:spcBef>
+              <a:spcAft>
+                <a:spcPct val="0"/>
+              </a:spcAft>
+              <a:buFontTx/>
+              <a:buChar char="•"/>
+            </a:pPr>
             <a:r>
               <a:rPr lang="en-US" altLang="en-US" sz="2400" b="1" dirty="0"/>
               <a:t>Generative AI</a:t>
@@ -9287,6 +9319,9 @@
             <a:endParaRPr lang="en-US" sz="2400" dirty="0"/>
           </a:p>
           <a:p>
+            <a:pPr marL="0" indent="0">
+              <a:buNone/>
+            </a:pPr>
             <a:endParaRPr lang="en-IN" sz="2400" dirty="0"/>
           </a:p>
         </p:txBody>
